--- a/information/pft_powerpoint.pptx
+++ b/information/pft_powerpoint.pptx
@@ -2777,7 +2777,7 @@
         <a:p>
           <a:pPr algn="l">
             <a:buFont typeface="Wingdings" panose="05000000000000000000" pitchFamily="2" charset="2"/>
-            <a:buChar char="q"/>
+            <a:buChar char="ü"/>
           </a:pPr>
           <a:r>
             <a:rPr lang="en-US" dirty="0"/>
@@ -4187,7 +4187,7 @@
               <a:spcPct val="15000"/>
             </a:spcAft>
             <a:buFont typeface="Wingdings" panose="05000000000000000000" pitchFamily="2" charset="2"/>
-            <a:buChar char="q"/>
+            <a:buChar char="ü"/>
           </a:pPr>
           <a:r>
             <a:rPr lang="en-US" sz="3500" kern="1200" dirty="0"/>
@@ -6853,7 +6853,7 @@
           <a:p>
             <a:fld id="{8C05F1D9-D31C-43AE-ABC7-ADE8774E969C}" type="datetimeFigureOut">
               <a:rPr lang="en-US" smtClean="0"/>
-              <a:t>5/20/2021</a:t>
+              <a:t>5/21/2021</a:t>
             </a:fld>
             <a:endParaRPr lang="en-US"/>
           </a:p>
@@ -7051,7 +7051,7 @@
           <a:p>
             <a:fld id="{8C05F1D9-D31C-43AE-ABC7-ADE8774E969C}" type="datetimeFigureOut">
               <a:rPr lang="en-US" smtClean="0"/>
-              <a:t>5/20/2021</a:t>
+              <a:t>5/21/2021</a:t>
             </a:fld>
             <a:endParaRPr lang="en-US"/>
           </a:p>
@@ -7259,7 +7259,7 @@
           <a:p>
             <a:fld id="{8C05F1D9-D31C-43AE-ABC7-ADE8774E969C}" type="datetimeFigureOut">
               <a:rPr lang="en-US" smtClean="0"/>
-              <a:t>5/20/2021</a:t>
+              <a:t>5/21/2021</a:t>
             </a:fld>
             <a:endParaRPr lang="en-US"/>
           </a:p>
@@ -7457,7 +7457,7 @@
           <a:p>
             <a:fld id="{8C05F1D9-D31C-43AE-ABC7-ADE8774E969C}" type="datetimeFigureOut">
               <a:rPr lang="en-US" smtClean="0"/>
-              <a:t>5/20/2021</a:t>
+              <a:t>5/21/2021</a:t>
             </a:fld>
             <a:endParaRPr lang="en-US"/>
           </a:p>
@@ -7732,7 +7732,7 @@
           <a:p>
             <a:fld id="{8C05F1D9-D31C-43AE-ABC7-ADE8774E969C}" type="datetimeFigureOut">
               <a:rPr lang="en-US" smtClean="0"/>
-              <a:t>5/20/2021</a:t>
+              <a:t>5/21/2021</a:t>
             </a:fld>
             <a:endParaRPr lang="en-US"/>
           </a:p>
@@ -7997,7 +7997,7 @@
           <a:p>
             <a:fld id="{8C05F1D9-D31C-43AE-ABC7-ADE8774E969C}" type="datetimeFigureOut">
               <a:rPr lang="en-US" smtClean="0"/>
-              <a:t>5/20/2021</a:t>
+              <a:t>5/21/2021</a:t>
             </a:fld>
             <a:endParaRPr lang="en-US"/>
           </a:p>
@@ -8409,7 +8409,7 @@
           <a:p>
             <a:fld id="{8C05F1D9-D31C-43AE-ABC7-ADE8774E969C}" type="datetimeFigureOut">
               <a:rPr lang="en-US" smtClean="0"/>
-              <a:t>5/20/2021</a:t>
+              <a:t>5/21/2021</a:t>
             </a:fld>
             <a:endParaRPr lang="en-US"/>
           </a:p>
@@ -8550,7 +8550,7 @@
           <a:p>
             <a:fld id="{8C05F1D9-D31C-43AE-ABC7-ADE8774E969C}" type="datetimeFigureOut">
               <a:rPr lang="en-US" smtClean="0"/>
-              <a:t>5/20/2021</a:t>
+              <a:t>5/21/2021</a:t>
             </a:fld>
             <a:endParaRPr lang="en-US"/>
           </a:p>
@@ -8663,7 +8663,7 @@
           <a:p>
             <a:fld id="{8C05F1D9-D31C-43AE-ABC7-ADE8774E969C}" type="datetimeFigureOut">
               <a:rPr lang="en-US" smtClean="0"/>
-              <a:t>5/20/2021</a:t>
+              <a:t>5/21/2021</a:t>
             </a:fld>
             <a:endParaRPr lang="en-US"/>
           </a:p>
@@ -8974,7 +8974,7 @@
           <a:p>
             <a:fld id="{8C05F1D9-D31C-43AE-ABC7-ADE8774E969C}" type="datetimeFigureOut">
               <a:rPr lang="en-US" smtClean="0"/>
-              <a:t>5/20/2021</a:t>
+              <a:t>5/21/2021</a:t>
             </a:fld>
             <a:endParaRPr lang="en-US"/>
           </a:p>
@@ -9262,7 +9262,7 @@
           <a:p>
             <a:fld id="{8C05F1D9-D31C-43AE-ABC7-ADE8774E969C}" type="datetimeFigureOut">
               <a:rPr lang="en-US" smtClean="0"/>
-              <a:t>5/20/2021</a:t>
+              <a:t>5/21/2021</a:t>
             </a:fld>
             <a:endParaRPr lang="en-US"/>
           </a:p>
@@ -9503,7 +9503,7 @@
           <a:p>
             <a:fld id="{8C05F1D9-D31C-43AE-ABC7-ADE8774E969C}" type="datetimeFigureOut">
               <a:rPr lang="en-US" smtClean="0"/>
-              <a:t>5/20/2021</a:t>
+              <a:t>5/21/2021</a:t>
             </a:fld>
             <a:endParaRPr lang="en-US"/>
           </a:p>
@@ -10026,7 +10026,7 @@
           <p:nvPr>
             <p:extLst>
               <p:ext uri="{D42A27DB-BD31-4B8C-83A1-F6EECF244321}">
-                <p14:modId xmlns:p14="http://schemas.microsoft.com/office/powerpoint/2010/main" val="957972796"/>
+                <p14:modId xmlns:p14="http://schemas.microsoft.com/office/powerpoint/2010/main" val="1457078460"/>
               </p:ext>
             </p:extLst>
           </p:nvPr>

--- a/information/pft_powerpoint.pptx
+++ b/information/pft_powerpoint.pptx
@@ -6853,7 +6853,7 @@
           <a:p>
             <a:fld id="{8C05F1D9-D31C-43AE-ABC7-ADE8774E969C}" type="datetimeFigureOut">
               <a:rPr lang="en-US" smtClean="0"/>
-              <a:t>5/21/2021</a:t>
+              <a:t>5/23/2021</a:t>
             </a:fld>
             <a:endParaRPr lang="en-US"/>
           </a:p>
@@ -7051,7 +7051,7 @@
           <a:p>
             <a:fld id="{8C05F1D9-D31C-43AE-ABC7-ADE8774E969C}" type="datetimeFigureOut">
               <a:rPr lang="en-US" smtClean="0"/>
-              <a:t>5/21/2021</a:t>
+              <a:t>5/23/2021</a:t>
             </a:fld>
             <a:endParaRPr lang="en-US"/>
           </a:p>
@@ -7259,7 +7259,7 @@
           <a:p>
             <a:fld id="{8C05F1D9-D31C-43AE-ABC7-ADE8774E969C}" type="datetimeFigureOut">
               <a:rPr lang="en-US" smtClean="0"/>
-              <a:t>5/21/2021</a:t>
+              <a:t>5/23/2021</a:t>
             </a:fld>
             <a:endParaRPr lang="en-US"/>
           </a:p>
@@ -7457,7 +7457,7 @@
           <a:p>
             <a:fld id="{8C05F1D9-D31C-43AE-ABC7-ADE8774E969C}" type="datetimeFigureOut">
               <a:rPr lang="en-US" smtClean="0"/>
-              <a:t>5/21/2021</a:t>
+              <a:t>5/23/2021</a:t>
             </a:fld>
             <a:endParaRPr lang="en-US"/>
           </a:p>
@@ -7732,7 +7732,7 @@
           <a:p>
             <a:fld id="{8C05F1D9-D31C-43AE-ABC7-ADE8774E969C}" type="datetimeFigureOut">
               <a:rPr lang="en-US" smtClean="0"/>
-              <a:t>5/21/2021</a:t>
+              <a:t>5/23/2021</a:t>
             </a:fld>
             <a:endParaRPr lang="en-US"/>
           </a:p>
@@ -7997,7 +7997,7 @@
           <a:p>
             <a:fld id="{8C05F1D9-D31C-43AE-ABC7-ADE8774E969C}" type="datetimeFigureOut">
               <a:rPr lang="en-US" smtClean="0"/>
-              <a:t>5/21/2021</a:t>
+              <a:t>5/23/2021</a:t>
             </a:fld>
             <a:endParaRPr lang="en-US"/>
           </a:p>
@@ -8409,7 +8409,7 @@
           <a:p>
             <a:fld id="{8C05F1D9-D31C-43AE-ABC7-ADE8774E969C}" type="datetimeFigureOut">
               <a:rPr lang="en-US" smtClean="0"/>
-              <a:t>5/21/2021</a:t>
+              <a:t>5/23/2021</a:t>
             </a:fld>
             <a:endParaRPr lang="en-US"/>
           </a:p>
@@ -8550,7 +8550,7 @@
           <a:p>
             <a:fld id="{8C05F1D9-D31C-43AE-ABC7-ADE8774E969C}" type="datetimeFigureOut">
               <a:rPr lang="en-US" smtClean="0"/>
-              <a:t>5/21/2021</a:t>
+              <a:t>5/23/2021</a:t>
             </a:fld>
             <a:endParaRPr lang="en-US"/>
           </a:p>
@@ -8663,7 +8663,7 @@
           <a:p>
             <a:fld id="{8C05F1D9-D31C-43AE-ABC7-ADE8774E969C}" type="datetimeFigureOut">
               <a:rPr lang="en-US" smtClean="0"/>
-              <a:t>5/21/2021</a:t>
+              <a:t>5/23/2021</a:t>
             </a:fld>
             <a:endParaRPr lang="en-US"/>
           </a:p>
@@ -8974,7 +8974,7 @@
           <a:p>
             <a:fld id="{8C05F1D9-D31C-43AE-ABC7-ADE8774E969C}" type="datetimeFigureOut">
               <a:rPr lang="en-US" smtClean="0"/>
-              <a:t>5/21/2021</a:t>
+              <a:t>5/23/2021</a:t>
             </a:fld>
             <a:endParaRPr lang="en-US"/>
           </a:p>
@@ -9262,7 +9262,7 @@
           <a:p>
             <a:fld id="{8C05F1D9-D31C-43AE-ABC7-ADE8774E969C}" type="datetimeFigureOut">
               <a:rPr lang="en-US" smtClean="0"/>
-              <a:t>5/21/2021</a:t>
+              <a:t>5/23/2021</a:t>
             </a:fld>
             <a:endParaRPr lang="en-US"/>
           </a:p>
@@ -9503,7 +9503,7 @@
           <a:p>
             <a:fld id="{8C05F1D9-D31C-43AE-ABC7-ADE8774E969C}" type="datetimeFigureOut">
               <a:rPr lang="en-US" smtClean="0"/>
-              <a:t>5/21/2021</a:t>
+              <a:t>5/23/2021</a:t>
             </a:fld>
             <a:endParaRPr lang="en-US"/>
           </a:p>
@@ -10076,6 +10076,47 @@
           </a:p>
         </p:txBody>
       </p:sp>
+      <p:sp>
+        <p:nvSpPr>
+          <p:cNvPr id="7" name="TextBox 6">
+            <a:extLst>
+              <a:ext uri="{FF2B5EF4-FFF2-40B4-BE49-F238E27FC236}">
+                <a16:creationId xmlns:a16="http://schemas.microsoft.com/office/drawing/2014/main" id="{46370492-75A9-4679-939F-E6B3B865FD3E}"/>
+              </a:ext>
+            </a:extLst>
+          </p:cNvPr>
+          <p:cNvSpPr txBox="1"/>
+          <p:nvPr/>
+        </p:nvSpPr>
+        <p:spPr>
+          <a:xfrm rot="18817978">
+            <a:off x="4797287" y="3949147"/>
+            <a:ext cx="2862470" cy="923330"/>
+          </a:xfrm>
+          <a:prstGeom prst="rect">
+            <a:avLst/>
+          </a:prstGeom>
+          <a:noFill/>
+        </p:spPr>
+        <p:txBody>
+          <a:bodyPr wrap="square" rtlCol="0">
+            <a:spAutoFit/>
+          </a:bodyPr>
+          <a:lstStyle/>
+          <a:p>
+            <a:pPr marL="685800" indent="-685800">
+              <a:buFont typeface="Wingdings" panose="05000000000000000000" pitchFamily="2" charset="2"/>
+              <a:buChar char="q"/>
+            </a:pPr>
+            <a:r>
+              <a:rPr lang="en-US" sz="5400" dirty="0">
+                <a:latin typeface="Indie Flower" panose="02000000000000000000" pitchFamily="2" charset="0"/>
+              </a:rPr>
+              <a:t>Planks</a:t>
+            </a:r>
+          </a:p>
+        </p:txBody>
+      </p:sp>
     </p:spTree>
     <p:extLst>
       <p:ext uri="{BB962C8B-B14F-4D97-AF65-F5344CB8AC3E}">
